--- a/clases/Cap03_Mejoramiento_Espacio/presentations/IMG03_TransformacionAfin.pptx
+++ b/clases/Cap03_Mejoramiento_Espacio/presentations/IMG03_TransformacionAfin.pptx
@@ -11178,6 +11178,327 @@
           </a:prstGeom>
         </p:spPr>
       </p:pic>
+      <p:grpSp>
+        <p:nvGrpSpPr>
+          <p:cNvPr id="8" name="Group 7">
+            <a:extLst>
+              <a:ext uri="{FF2B5EF4-FFF2-40B4-BE49-F238E27FC236}">
+                <a16:creationId xmlns:a16="http://schemas.microsoft.com/office/drawing/2014/main" id="{E36B7C24-223D-06C8-88AF-FF00DD808EE0}"/>
+              </a:ext>
+            </a:extLst>
+          </p:cNvPr>
+          <p:cNvGrpSpPr/>
+          <p:nvPr/>
+        </p:nvGrpSpPr>
+        <p:grpSpPr>
+          <a:xfrm>
+            <a:off x="6182794" y="1771276"/>
+            <a:ext cx="1734085" cy="1787082"/>
+            <a:chOff x="6182794" y="1771276"/>
+            <a:chExt cx="1734085" cy="1787082"/>
+          </a:xfrm>
+        </p:grpSpPr>
+        <p:sp>
+          <p:nvSpPr>
+            <p:cNvPr id="2" name="Oval 1">
+              <a:extLst>
+                <a:ext uri="{FF2B5EF4-FFF2-40B4-BE49-F238E27FC236}">
+                  <a16:creationId xmlns:a16="http://schemas.microsoft.com/office/drawing/2014/main" id="{4DA4A2B7-E990-81E7-AE61-79516B57B6BA}"/>
+                </a:ext>
+              </a:extLst>
+            </p:cNvPr>
+            <p:cNvSpPr/>
+            <p:nvPr/>
+          </p:nvSpPr>
+          <p:spPr>
+            <a:xfrm>
+              <a:off x="6182794" y="2621141"/>
+              <a:ext cx="72000" cy="72828"/>
+            </a:xfrm>
+            <a:prstGeom prst="ellipse">
+              <a:avLst/>
+            </a:prstGeom>
+            <a:solidFill>
+              <a:srgbClr val="FFC000"/>
+            </a:solidFill>
+            <a:ln>
+              <a:noFill/>
+            </a:ln>
+          </p:spPr>
+          <p:style>
+            <a:lnRef idx="2">
+              <a:schemeClr val="accent1">
+                <a:shade val="15000"/>
+              </a:schemeClr>
+            </a:lnRef>
+            <a:fillRef idx="1">
+              <a:schemeClr val="accent1"/>
+            </a:fillRef>
+            <a:effectRef idx="0">
+              <a:schemeClr val="accent1"/>
+            </a:effectRef>
+            <a:fontRef idx="minor">
+              <a:schemeClr val="lt1"/>
+            </a:fontRef>
+          </p:style>
+          <p:txBody>
+            <a:bodyPr rtlCol="0" anchor="ctr"/>
+            <a:lstStyle/>
+            <a:p>
+              <a:pPr algn="ctr"/>
+              <a:endParaRPr lang="en-CL"/>
+            </a:p>
+          </p:txBody>
+        </p:sp>
+        <p:sp>
+          <p:nvSpPr>
+            <p:cNvPr id="3" name="Oval 2">
+              <a:extLst>
+                <a:ext uri="{FF2B5EF4-FFF2-40B4-BE49-F238E27FC236}">
+                  <a16:creationId xmlns:a16="http://schemas.microsoft.com/office/drawing/2014/main" id="{B8AB8887-A2EF-C3BE-0BF3-0D6B18DEA669}"/>
+                </a:ext>
+              </a:extLst>
+            </p:cNvPr>
+            <p:cNvSpPr/>
+            <p:nvPr/>
+          </p:nvSpPr>
+          <p:spPr>
+            <a:xfrm>
+              <a:off x="7844879" y="2628320"/>
+              <a:ext cx="72000" cy="72828"/>
+            </a:xfrm>
+            <a:prstGeom prst="ellipse">
+              <a:avLst/>
+            </a:prstGeom>
+            <a:solidFill>
+              <a:srgbClr val="00FF00"/>
+            </a:solidFill>
+            <a:ln>
+              <a:noFill/>
+            </a:ln>
+          </p:spPr>
+          <p:style>
+            <a:lnRef idx="2">
+              <a:schemeClr val="accent1">
+                <a:shade val="15000"/>
+              </a:schemeClr>
+            </a:lnRef>
+            <a:fillRef idx="1">
+              <a:schemeClr val="accent1"/>
+            </a:fillRef>
+            <a:effectRef idx="0">
+              <a:schemeClr val="accent1"/>
+            </a:effectRef>
+            <a:fontRef idx="minor">
+              <a:schemeClr val="lt1"/>
+            </a:fontRef>
+          </p:style>
+          <p:txBody>
+            <a:bodyPr rtlCol="0" anchor="ctr"/>
+            <a:lstStyle/>
+            <a:p>
+              <a:pPr algn="ctr"/>
+              <a:endParaRPr lang="en-CL"/>
+            </a:p>
+          </p:txBody>
+        </p:sp>
+        <p:sp>
+          <p:nvSpPr>
+            <p:cNvPr id="4" name="Oval 3">
+              <a:extLst>
+                <a:ext uri="{FF2B5EF4-FFF2-40B4-BE49-F238E27FC236}">
+                  <a16:creationId xmlns:a16="http://schemas.microsoft.com/office/drawing/2014/main" id="{8E2520B8-95E7-8852-5057-DE66220791E3}"/>
+                </a:ext>
+              </a:extLst>
+            </p:cNvPr>
+            <p:cNvSpPr/>
+            <p:nvPr/>
+          </p:nvSpPr>
+          <p:spPr>
+            <a:xfrm>
+              <a:off x="7045940" y="3485530"/>
+              <a:ext cx="72000" cy="72828"/>
+            </a:xfrm>
+            <a:prstGeom prst="ellipse">
+              <a:avLst/>
+            </a:prstGeom>
+            <a:solidFill>
+              <a:srgbClr val="0000FF"/>
+            </a:solidFill>
+            <a:ln>
+              <a:noFill/>
+            </a:ln>
+          </p:spPr>
+          <p:style>
+            <a:lnRef idx="2">
+              <a:schemeClr val="accent1">
+                <a:shade val="15000"/>
+              </a:schemeClr>
+            </a:lnRef>
+            <a:fillRef idx="1">
+              <a:schemeClr val="accent1"/>
+            </a:fillRef>
+            <a:effectRef idx="0">
+              <a:schemeClr val="accent1"/>
+            </a:effectRef>
+            <a:fontRef idx="minor">
+              <a:schemeClr val="lt1"/>
+            </a:fontRef>
+          </p:style>
+          <p:txBody>
+            <a:bodyPr rtlCol="0" anchor="ctr"/>
+            <a:lstStyle/>
+            <a:p>
+              <a:pPr algn="ctr"/>
+              <a:endParaRPr lang="en-CL"/>
+            </a:p>
+          </p:txBody>
+        </p:sp>
+        <p:sp>
+          <p:nvSpPr>
+            <p:cNvPr id="5" name="Oval 4">
+              <a:extLst>
+                <a:ext uri="{FF2B5EF4-FFF2-40B4-BE49-F238E27FC236}">
+                  <a16:creationId xmlns:a16="http://schemas.microsoft.com/office/drawing/2014/main" id="{451EDCE2-4CE1-F47C-3B3C-97E07B9FDC44}"/>
+                </a:ext>
+              </a:extLst>
+            </p:cNvPr>
+            <p:cNvSpPr/>
+            <p:nvPr/>
+          </p:nvSpPr>
+          <p:spPr>
+            <a:xfrm>
+              <a:off x="7045940" y="1771276"/>
+              <a:ext cx="72000" cy="72828"/>
+            </a:xfrm>
+            <a:prstGeom prst="ellipse">
+              <a:avLst/>
+            </a:prstGeom>
+            <a:solidFill>
+              <a:srgbClr val="FF0000"/>
+            </a:solidFill>
+            <a:ln>
+              <a:noFill/>
+            </a:ln>
+          </p:spPr>
+          <p:style>
+            <a:lnRef idx="2">
+              <a:schemeClr val="accent1">
+                <a:shade val="15000"/>
+              </a:schemeClr>
+            </a:lnRef>
+            <a:fillRef idx="1">
+              <a:schemeClr val="accent1"/>
+            </a:fillRef>
+            <a:effectRef idx="0">
+              <a:schemeClr val="accent1"/>
+            </a:effectRef>
+            <a:fontRef idx="minor">
+              <a:schemeClr val="lt1"/>
+            </a:fontRef>
+          </p:style>
+          <p:txBody>
+            <a:bodyPr rtlCol="0" anchor="ctr"/>
+            <a:lstStyle/>
+            <a:p>
+              <a:pPr algn="ctr"/>
+              <a:endParaRPr lang="en-CL"/>
+            </a:p>
+          </p:txBody>
+        </p:sp>
+        <p:sp>
+          <p:nvSpPr>
+            <p:cNvPr id="7" name="Rectangle 6">
+              <a:extLst>
+                <a:ext uri="{FF2B5EF4-FFF2-40B4-BE49-F238E27FC236}">
+                  <a16:creationId xmlns:a16="http://schemas.microsoft.com/office/drawing/2014/main" id="{772E4D1A-B4C2-29AB-56A1-A744644BDED2}"/>
+                </a:ext>
+              </a:extLst>
+            </p:cNvPr>
+            <p:cNvSpPr/>
+            <p:nvPr/>
+          </p:nvSpPr>
+          <p:spPr>
+            <a:xfrm rot="2700000">
+              <a:off x="6472300" y="2053734"/>
+              <a:ext cx="1188000" cy="1188000"/>
+            </a:xfrm>
+            <a:prstGeom prst="rect">
+              <a:avLst/>
+            </a:prstGeom>
+            <a:noFill/>
+            <a:ln w="9525">
+              <a:prstDash val="dash"/>
+            </a:ln>
+          </p:spPr>
+          <p:style>
+            <a:lnRef idx="2">
+              <a:schemeClr val="accent1">
+                <a:shade val="15000"/>
+              </a:schemeClr>
+            </a:lnRef>
+            <a:fillRef idx="1">
+              <a:schemeClr val="accent1"/>
+            </a:fillRef>
+            <a:effectRef idx="0">
+              <a:schemeClr val="accent1"/>
+            </a:effectRef>
+            <a:fontRef idx="minor">
+              <a:schemeClr val="lt1"/>
+            </a:fontRef>
+          </p:style>
+          <p:txBody>
+            <a:bodyPr rtlCol="0" anchor="ctr"/>
+            <a:lstStyle/>
+            <a:p>
+              <a:pPr algn="ctr"/>
+              <a:endParaRPr lang="en-CL"/>
+            </a:p>
+          </p:txBody>
+        </p:sp>
+      </p:grpSp>
+      <p:sp>
+        <p:nvSpPr>
+          <p:cNvPr id="9" name="TextBox 8">
+            <a:extLst>
+              <a:ext uri="{FF2B5EF4-FFF2-40B4-BE49-F238E27FC236}">
+                <a16:creationId xmlns:a16="http://schemas.microsoft.com/office/drawing/2014/main" id="{7598E09D-ACC8-C12F-5972-DBB9053DB3D5}"/>
+              </a:ext>
+            </a:extLst>
+          </p:cNvPr>
+          <p:cNvSpPr txBox="1"/>
+          <p:nvPr/>
+        </p:nvSpPr>
+        <p:spPr>
+          <a:xfrm>
+            <a:off x="6253622" y="1255281"/>
+            <a:ext cx="1665841" cy="307777"/>
+          </a:xfrm>
+          <a:prstGeom prst="rect">
+            <a:avLst/>
+          </a:prstGeom>
+          <a:noFill/>
+        </p:spPr>
+        <p:txBody>
+          <a:bodyPr wrap="none" rtlCol="0">
+            <a:spAutoFit/>
+          </a:bodyPr>
+          <a:lstStyle/>
+          <a:p>
+            <a:r>
+              <a:rPr lang="en-US" sz="1400" dirty="0">
+                <a:solidFill>
+                  <a:srgbClr val="000000"/>
+                </a:solidFill>
+                <a:effectLst/>
+                <a:latin typeface="Arial" panose="020B0604020202020204" pitchFamily="34" charset="0"/>
+              </a:rPr>
+              <a:t>Cuadrado perfecto</a:t>
+            </a:r>
+            <a:endParaRPr lang="en-CL" dirty="0"/>
+          </a:p>
+        </p:txBody>
+      </p:sp>
     </p:spTree>
     <p:extLst>
       <p:ext uri="{BB962C8B-B14F-4D97-AF65-F5344CB8AC3E}">
@@ -11188,6 +11509,174 @@
   <p:clrMapOvr>
     <a:masterClrMapping/>
   </p:clrMapOvr>
+  <p:timing>
+    <p:tnLst>
+      <p:par>
+        <p:cTn id="1" dur="indefinite" restart="never" nodeType="tmRoot">
+          <p:childTnLst>
+            <p:seq concurrent="1" nextAc="seek">
+              <p:cTn id="2" dur="indefinite" nodeType="mainSeq">
+                <p:childTnLst>
+                  <p:par>
+                    <p:cTn id="3" fill="hold">
+                      <p:stCondLst>
+                        <p:cond delay="indefinite"/>
+                      </p:stCondLst>
+                      <p:childTnLst>
+                        <p:par>
+                          <p:cTn id="4" fill="hold">
+                            <p:stCondLst>
+                              <p:cond delay="0"/>
+                            </p:stCondLst>
+                            <p:childTnLst>
+                              <p:par>
+                                <p:cTn id="5" presetID="16" presetClass="entr" presetSubtype="21" fill="hold" nodeType="clickEffect">
+                                  <p:stCondLst>
+                                    <p:cond delay="0"/>
+                                  </p:stCondLst>
+                                  <p:childTnLst>
+                                    <p:set>
+                                      <p:cBhvr>
+                                        <p:cTn id="6" dur="1" fill="hold">
+                                          <p:stCondLst>
+                                            <p:cond delay="0"/>
+                                          </p:stCondLst>
+                                        </p:cTn>
+                                        <p:tgtEl>
+                                          <p:spTgt spid="8"/>
+                                        </p:tgtEl>
+                                        <p:attrNameLst>
+                                          <p:attrName>style.visibility</p:attrName>
+                                        </p:attrNameLst>
+                                      </p:cBhvr>
+                                      <p:to>
+                                        <p:strVal val="visible"/>
+                                      </p:to>
+                                    </p:set>
+                                    <p:animEffect transition="in" filter="barn(inVertical)">
+                                      <p:cBhvr>
+                                        <p:cTn id="7" dur="500"/>
+                                        <p:tgtEl>
+                                          <p:spTgt spid="8"/>
+                                        </p:tgtEl>
+                                      </p:cBhvr>
+                                    </p:animEffect>
+                                  </p:childTnLst>
+                                </p:cTn>
+                              </p:par>
+                            </p:childTnLst>
+                          </p:cTn>
+                        </p:par>
+                        <p:par>
+                          <p:cTn id="8" fill="hold">
+                            <p:stCondLst>
+                              <p:cond delay="500"/>
+                            </p:stCondLst>
+                            <p:childTnLst>
+                              <p:par>
+                                <p:cTn id="9" presetID="2" presetClass="entr" presetSubtype="1" fill="hold" grpId="0" nodeType="afterEffect">
+                                  <p:stCondLst>
+                                    <p:cond delay="0"/>
+                                  </p:stCondLst>
+                                  <p:childTnLst>
+                                    <p:set>
+                                      <p:cBhvr>
+                                        <p:cTn id="10" dur="1" fill="hold">
+                                          <p:stCondLst>
+                                            <p:cond delay="0"/>
+                                          </p:stCondLst>
+                                        </p:cTn>
+                                        <p:tgtEl>
+                                          <p:spTgt spid="9"/>
+                                        </p:tgtEl>
+                                        <p:attrNameLst>
+                                          <p:attrName>style.visibility</p:attrName>
+                                        </p:attrNameLst>
+                                      </p:cBhvr>
+                                      <p:to>
+                                        <p:strVal val="visible"/>
+                                      </p:to>
+                                    </p:set>
+                                    <p:anim calcmode="lin" valueType="num">
+                                      <p:cBhvr additive="base">
+                                        <p:cTn id="11" dur="500" fill="hold"/>
+                                        <p:tgtEl>
+                                          <p:spTgt spid="9"/>
+                                        </p:tgtEl>
+                                        <p:attrNameLst>
+                                          <p:attrName>ppt_x</p:attrName>
+                                        </p:attrNameLst>
+                                      </p:cBhvr>
+                                      <p:tavLst>
+                                        <p:tav tm="0">
+                                          <p:val>
+                                            <p:strVal val="#ppt_x"/>
+                                          </p:val>
+                                        </p:tav>
+                                        <p:tav tm="100000">
+                                          <p:val>
+                                            <p:strVal val="#ppt_x"/>
+                                          </p:val>
+                                        </p:tav>
+                                      </p:tavLst>
+                                    </p:anim>
+                                    <p:anim calcmode="lin" valueType="num">
+                                      <p:cBhvr additive="base">
+                                        <p:cTn id="12" dur="500" fill="hold"/>
+                                        <p:tgtEl>
+                                          <p:spTgt spid="9"/>
+                                        </p:tgtEl>
+                                        <p:attrNameLst>
+                                          <p:attrName>ppt_y</p:attrName>
+                                        </p:attrNameLst>
+                                      </p:cBhvr>
+                                      <p:tavLst>
+                                        <p:tav tm="0">
+                                          <p:val>
+                                            <p:strVal val="0-#ppt_h/2"/>
+                                          </p:val>
+                                        </p:tav>
+                                        <p:tav tm="100000">
+                                          <p:val>
+                                            <p:strVal val="#ppt_y"/>
+                                          </p:val>
+                                        </p:tav>
+                                      </p:tavLst>
+                                    </p:anim>
+                                  </p:childTnLst>
+                                </p:cTn>
+                              </p:par>
+                            </p:childTnLst>
+                          </p:cTn>
+                        </p:par>
+                      </p:childTnLst>
+                    </p:cTn>
+                  </p:par>
+                </p:childTnLst>
+              </p:cTn>
+              <p:prevCondLst>
+                <p:cond evt="onPrev" delay="0">
+                  <p:tgtEl>
+                    <p:sldTgt/>
+                  </p:tgtEl>
+                </p:cond>
+              </p:prevCondLst>
+              <p:nextCondLst>
+                <p:cond evt="onNext" delay="0">
+                  <p:tgtEl>
+                    <p:sldTgt/>
+                  </p:tgtEl>
+                </p:cond>
+              </p:nextCondLst>
+            </p:seq>
+          </p:childTnLst>
+        </p:cTn>
+      </p:par>
+    </p:tnLst>
+    <p:bldLst>
+      <p:bldP spid="9" grpId="0"/>
+    </p:bldLst>
+  </p:timing>
 </p:sld>
 </file>
 
